--- a/Data-Science-Capstone/Report/Final-Presentation.pptx
+++ b/Data-Science-Capstone/Report/Final-Presentation.pptx
@@ -3373,11 +3373,7 @@
           <a:p>
             <a:r>
               <a:rPr lang="en-US" dirty="0"/>
-              <a:t>This is </a:t>
-            </a:r>
-            <a:r>
-              <a:rPr lang="en-US"/>
-              <a:t>a test</a:t>
+              <a:t>This is a test</a:t>
             </a:r>
           </a:p>
         </p:txBody>
